--- a/Presentation1.pptx
+++ b/Presentation1.pptx
@@ -8221,10 +8221,7 @@
           <a:bodyPr/>
           <a:lstStyle/>
           <a:p>
-            <a:r>
-              <a:rPr lang="en-HU" dirty="0"/>
-              <a:t>tSNE</a:t>
-            </a:r>
+            <a:endParaRPr lang="en-HU" dirty="0"/>
           </a:p>
         </p:txBody>
       </p:sp>
@@ -8470,10 +8467,7 @@
           <a:bodyPr/>
           <a:lstStyle/>
           <a:p>
-            <a:r>
-              <a:rPr lang="en-HU" dirty="0"/>
-              <a:t>Evaluation  - tSNE</a:t>
-            </a:r>
+            <a:endParaRPr lang="en-HU" dirty="0"/>
           </a:p>
         </p:txBody>
       </p:sp>

--- a/Presentation1.pptx
+++ b/Presentation1.pptx
@@ -11,8 +11,9 @@
     <p:sldId id="259" r:id="rId5"/>
     <p:sldId id="260" r:id="rId6"/>
     <p:sldId id="262" r:id="rId7"/>
-    <p:sldId id="263" r:id="rId8"/>
-    <p:sldId id="265" r:id="rId9"/>
+    <p:sldId id="266" r:id="rId8"/>
+    <p:sldId id="263" r:id="rId9"/>
+    <p:sldId id="265" r:id="rId10"/>
   </p:sldIdLst>
   <p:sldSz cx="12192000" cy="6858000"/>
   <p:notesSz cx="6858000" cy="9144000"/>
@@ -8484,7 +8485,7 @@
           <a:p>
             <a:fld id="{C52997AB-C950-1640-9C8A-F4A565EF9164}" type="datetimeFigureOut">
               <a:rPr lang="en-HU" smtClean="0"/>
-              <a:t>20/05/2024</a:t>
+              <a:t>22/05/2024</a:t>
             </a:fld>
             <a:endParaRPr lang="en-HU"/>
           </a:p>
@@ -8684,7 +8685,7 @@
           <a:p>
             <a:fld id="{C52997AB-C950-1640-9C8A-F4A565EF9164}" type="datetimeFigureOut">
               <a:rPr lang="en-HU" smtClean="0"/>
-              <a:t>20/05/2024</a:t>
+              <a:t>22/05/2024</a:t>
             </a:fld>
             <a:endParaRPr lang="en-HU"/>
           </a:p>
@@ -8894,7 +8895,7 @@
           <a:p>
             <a:fld id="{C52997AB-C950-1640-9C8A-F4A565EF9164}" type="datetimeFigureOut">
               <a:rPr lang="en-HU" smtClean="0"/>
-              <a:t>20/05/2024</a:t>
+              <a:t>22/05/2024</a:t>
             </a:fld>
             <a:endParaRPr lang="en-HU"/>
           </a:p>
@@ -9094,7 +9095,7 @@
           <a:p>
             <a:fld id="{C52997AB-C950-1640-9C8A-F4A565EF9164}" type="datetimeFigureOut">
               <a:rPr lang="en-HU" smtClean="0"/>
-              <a:t>20/05/2024</a:t>
+              <a:t>22/05/2024</a:t>
             </a:fld>
             <a:endParaRPr lang="en-HU"/>
           </a:p>
@@ -9370,7 +9371,7 @@
           <a:p>
             <a:fld id="{C52997AB-C950-1640-9C8A-F4A565EF9164}" type="datetimeFigureOut">
               <a:rPr lang="en-HU" smtClean="0"/>
-              <a:t>20/05/2024</a:t>
+              <a:t>22/05/2024</a:t>
             </a:fld>
             <a:endParaRPr lang="en-HU"/>
           </a:p>
@@ -9638,7 +9639,7 @@
           <a:p>
             <a:fld id="{C52997AB-C950-1640-9C8A-F4A565EF9164}" type="datetimeFigureOut">
               <a:rPr lang="en-HU" smtClean="0"/>
-              <a:t>20/05/2024</a:t>
+              <a:t>22/05/2024</a:t>
             </a:fld>
             <a:endParaRPr lang="en-HU"/>
           </a:p>
@@ -10053,7 +10054,7 @@
           <a:p>
             <a:fld id="{C52997AB-C950-1640-9C8A-F4A565EF9164}" type="datetimeFigureOut">
               <a:rPr lang="en-HU" smtClean="0"/>
-              <a:t>20/05/2024</a:t>
+              <a:t>22/05/2024</a:t>
             </a:fld>
             <a:endParaRPr lang="en-HU"/>
           </a:p>
@@ -10195,7 +10196,7 @@
           <a:p>
             <a:fld id="{C52997AB-C950-1640-9C8A-F4A565EF9164}" type="datetimeFigureOut">
               <a:rPr lang="en-HU" smtClean="0"/>
-              <a:t>20/05/2024</a:t>
+              <a:t>22/05/2024</a:t>
             </a:fld>
             <a:endParaRPr lang="en-HU"/>
           </a:p>
@@ -10308,7 +10309,7 @@
           <a:p>
             <a:fld id="{C52997AB-C950-1640-9C8A-F4A565EF9164}" type="datetimeFigureOut">
               <a:rPr lang="en-HU" smtClean="0"/>
-              <a:t>20/05/2024</a:t>
+              <a:t>22/05/2024</a:t>
             </a:fld>
             <a:endParaRPr lang="en-HU"/>
           </a:p>
@@ -10621,7 +10622,7 @@
           <a:p>
             <a:fld id="{C52997AB-C950-1640-9C8A-F4A565EF9164}" type="datetimeFigureOut">
               <a:rPr lang="en-HU" smtClean="0"/>
-              <a:t>20/05/2024</a:t>
+              <a:t>22/05/2024</a:t>
             </a:fld>
             <a:endParaRPr lang="en-HU"/>
           </a:p>
@@ -10910,7 +10911,7 @@
           <a:p>
             <a:fld id="{C52997AB-C950-1640-9C8A-F4A565EF9164}" type="datetimeFigureOut">
               <a:rPr lang="en-HU" smtClean="0"/>
-              <a:t>20/05/2024</a:t>
+              <a:t>22/05/2024</a:t>
             </a:fld>
             <a:endParaRPr lang="en-HU"/>
           </a:p>
@@ -11153,7 +11154,7 @@
           <a:p>
             <a:fld id="{C52997AB-C950-1640-9C8A-F4A565EF9164}" type="datetimeFigureOut">
               <a:rPr lang="en-HU" smtClean="0"/>
-              <a:t>20/05/2024</a:t>
+              <a:t>22/05/2024</a:t>
             </a:fld>
             <a:endParaRPr lang="en-HU"/>
           </a:p>
@@ -14906,6 +14907,1024 @@
 <file path=ppt/slides/slide7.xml><?xml version="1.0" encoding="utf-8"?>
 <p:sld xmlns:a="http://schemas.openxmlformats.org/drawingml/2006/main" xmlns:r="http://schemas.openxmlformats.org/officeDocument/2006/relationships" xmlns:p="http://schemas.openxmlformats.org/presentationml/2006/main">
   <p:cSld>
+    <p:bg>
+      <p:bgPr>
+        <a:solidFill>
+          <a:schemeClr val="bg1"/>
+        </a:solidFill>
+        <a:effectLst/>
+      </p:bgPr>
+    </p:bg>
+    <p:spTree>
+      <p:nvGrpSpPr>
+        <p:cNvPr id="1" name=""/>
+        <p:cNvGrpSpPr/>
+        <p:nvPr/>
+      </p:nvGrpSpPr>
+      <p:grpSpPr>
+        <a:xfrm>
+          <a:off x="0" y="0"/>
+          <a:ext cx="0" cy="0"/>
+          <a:chOff x="0" y="0"/>
+          <a:chExt cx="0" cy="0"/>
+        </a:xfrm>
+      </p:grpSpPr>
+      <p:sp useBgFill="1">
+        <p:nvSpPr>
+          <p:cNvPr id="19" name="Rectangle 18">
+            <a:extLst>
+              <a:ext uri="{FF2B5EF4-FFF2-40B4-BE49-F238E27FC236}">
+                <a16:creationId xmlns:a16="http://schemas.microsoft.com/office/drawing/2014/main" id="{7B831B6F-405A-4B47-B9BB-5CA88F285844}"/>
+              </a:ext>
+              <a:ext uri="{C183D7F6-B498-43B3-948B-1728B52AA6E4}">
+                <adec:decorative xmlns:adec="http://schemas.microsoft.com/office/drawing/2017/decorative" val="1"/>
+              </a:ext>
+            </a:extLst>
+          </p:cNvPr>
+          <p:cNvSpPr>
+            <a:spLocks noGrp="1" noRot="1" noChangeAspect="1" noMove="1" noResize="1" noEditPoints="1" noAdjustHandles="1" noChangeArrowheads="1" noChangeShapeType="1" noTextEdit="1"/>
+          </p:cNvSpPr>
+          <p:nvPr>
+            <p:extLst>
+              <p:ext uri="{386F3935-93C4-4BCD-93E2-E3B085C9AB24}">
+                <p16:designElem xmlns:p16="http://schemas.microsoft.com/office/powerpoint/2015/main" val="1"/>
+              </p:ext>
+            </p:extLst>
+          </p:nvPr>
+        </p:nvSpPr>
+        <p:spPr>
+          <a:xfrm>
+            <a:off x="0" y="0"/>
+            <a:ext cx="12192000" cy="6858000"/>
+          </a:xfrm>
+          <a:prstGeom prst="rect">
+            <a:avLst/>
+          </a:prstGeom>
+          <a:ln>
+            <a:noFill/>
+          </a:ln>
+        </p:spPr>
+        <p:style>
+          <a:lnRef idx="2">
+            <a:schemeClr val="accent1">
+              <a:shade val="50000"/>
+            </a:schemeClr>
+          </a:lnRef>
+          <a:fillRef idx="1">
+            <a:schemeClr val="accent1"/>
+          </a:fillRef>
+          <a:effectRef idx="0">
+            <a:schemeClr val="accent1"/>
+          </a:effectRef>
+          <a:fontRef idx="minor">
+            <a:schemeClr val="lt1"/>
+          </a:fontRef>
+        </p:style>
+        <p:txBody>
+          <a:bodyPr rtlCol="0" anchor="ctr"/>
+          <a:lstStyle/>
+          <a:p>
+            <a:pPr algn="ctr"/>
+            <a:endParaRPr lang="en-US"/>
+          </a:p>
+        </p:txBody>
+      </p:sp>
+      <p:pic>
+        <p:nvPicPr>
+          <p:cNvPr id="5" name="Picture 4" descr="A screenshot of a social media account&#10;&#10;Description automatically generated">
+            <a:extLst>
+              <a:ext uri="{FF2B5EF4-FFF2-40B4-BE49-F238E27FC236}">
+                <a16:creationId xmlns:a16="http://schemas.microsoft.com/office/drawing/2014/main" id="{CE07545C-81D2-CF5B-DD86-A25D93C604A1}"/>
+              </a:ext>
+            </a:extLst>
+          </p:cNvPr>
+          <p:cNvPicPr>
+            <a:picLocks noChangeAspect="1"/>
+          </p:cNvPicPr>
+          <p:nvPr/>
+        </p:nvPicPr>
+        <p:blipFill>
+          <a:blip r:embed="rId2"/>
+          <a:stretch>
+            <a:fillRect/>
+          </a:stretch>
+        </p:blipFill>
+        <p:spPr>
+          <a:xfrm>
+            <a:off x="1019874" y="248929"/>
+            <a:ext cx="1717236" cy="6360141"/>
+          </a:xfrm>
+          <a:prstGeom prst="rect">
+            <a:avLst/>
+          </a:prstGeom>
+        </p:spPr>
+      </p:pic>
+      <p:sp>
+        <p:nvSpPr>
+          <p:cNvPr id="21" name="Freeform: Shape 20">
+            <a:extLst>
+              <a:ext uri="{FF2B5EF4-FFF2-40B4-BE49-F238E27FC236}">
+                <a16:creationId xmlns:a16="http://schemas.microsoft.com/office/drawing/2014/main" id="{15109354-9C5D-4F8C-B0E6-D1043C7BF20A}"/>
+              </a:ext>
+              <a:ext uri="{C183D7F6-B498-43B3-948B-1728B52AA6E4}">
+                <adec:decorative xmlns:adec="http://schemas.microsoft.com/office/drawing/2017/decorative" val="1"/>
+              </a:ext>
+            </a:extLst>
+          </p:cNvPr>
+          <p:cNvSpPr>
+            <a:spLocks noGrp="1" noRot="1" noChangeAspect="1" noMove="1" noResize="1" noEditPoints="1" noAdjustHandles="1" noChangeArrowheads="1" noChangeShapeType="1" noTextEdit="1"/>
+          </p:cNvSpPr>
+          <p:nvPr>
+            <p:extLst>
+              <p:ext uri="{386F3935-93C4-4BCD-93E2-E3B085C9AB24}">
+                <p16:designElem xmlns:p16="http://schemas.microsoft.com/office/powerpoint/2015/main" val="1"/>
+              </p:ext>
+            </p:extLst>
+          </p:nvPr>
+        </p:nvSpPr>
+        <p:spPr>
+          <a:xfrm>
+            <a:off x="4629992" y="0"/>
+            <a:ext cx="7562008" cy="6858000"/>
+          </a:xfrm>
+          <a:custGeom>
+            <a:avLst/>
+            <a:gdLst>
+              <a:gd name="connsiteX0" fmla="*/ 7529613 w 7529613"/>
+              <a:gd name="connsiteY0" fmla="*/ 0 h 6858000"/>
+              <a:gd name="connsiteX1" fmla="*/ 1222331 w 7529613"/>
+              <a:gd name="connsiteY1" fmla="*/ 0 h 6858000"/>
+              <a:gd name="connsiteX2" fmla="*/ 1126483 w 7529613"/>
+              <a:gd name="connsiteY2" fmla="*/ 148742 h 6858000"/>
+              <a:gd name="connsiteX3" fmla="*/ 767554 w 7529613"/>
+              <a:gd name="connsiteY3" fmla="*/ 819975 h 6858000"/>
+              <a:gd name="connsiteX4" fmla="*/ 742103 w 7529613"/>
+              <a:gd name="connsiteY4" fmla="*/ 854514 h 6858000"/>
+              <a:gd name="connsiteX5" fmla="*/ 785881 w 7529613"/>
+              <a:gd name="connsiteY5" fmla="*/ 750263 h 6858000"/>
+              <a:gd name="connsiteX6" fmla="*/ 978978 w 7529613"/>
+              <a:gd name="connsiteY6" fmla="*/ 331786 h 6858000"/>
+              <a:gd name="connsiteX7" fmla="*/ 1155717 w 7529613"/>
+              <a:gd name="connsiteY7" fmla="*/ 0 h 6858000"/>
+              <a:gd name="connsiteX8" fmla="*/ 1098249 w 7529613"/>
+              <a:gd name="connsiteY8" fmla="*/ 0 h 6858000"/>
+              <a:gd name="connsiteX9" fmla="*/ 991458 w 7529613"/>
+              <a:gd name="connsiteY9" fmla="*/ 196614 h 6858000"/>
+              <a:gd name="connsiteX10" fmla="*/ 493941 w 7529613"/>
+              <a:gd name="connsiteY10" fmla="*/ 1371196 h 6858000"/>
+              <a:gd name="connsiteX11" fmla="*/ 46485 w 7529613"/>
+              <a:gd name="connsiteY11" fmla="*/ 3331516 h 6858000"/>
+              <a:gd name="connsiteX12" fmla="*/ 12252 w 7529613"/>
+              <a:gd name="connsiteY12" fmla="*/ 4357388 h 6858000"/>
+              <a:gd name="connsiteX13" fmla="*/ 170821 w 7529613"/>
+              <a:gd name="connsiteY13" fmla="*/ 5552906 h 6858000"/>
+              <a:gd name="connsiteX14" fmla="*/ 537265 w 7529613"/>
+              <a:gd name="connsiteY14" fmla="*/ 6828295 h 6858000"/>
+              <a:gd name="connsiteX15" fmla="*/ 549692 w 7529613"/>
+              <a:gd name="connsiteY15" fmla="*/ 6858000 h 6858000"/>
+              <a:gd name="connsiteX16" fmla="*/ 602234 w 7529613"/>
+              <a:gd name="connsiteY16" fmla="*/ 6858000 h 6858000"/>
+              <a:gd name="connsiteX17" fmla="*/ 595414 w 7529613"/>
+              <a:gd name="connsiteY17" fmla="*/ 6841549 h 6858000"/>
+              <a:gd name="connsiteX18" fmla="*/ 364260 w 7529613"/>
+              <a:gd name="connsiteY18" fmla="*/ 6142729 h 6858000"/>
+              <a:gd name="connsiteX19" fmla="*/ 213071 w 7529613"/>
+              <a:gd name="connsiteY19" fmla="*/ 5513923 h 6858000"/>
+              <a:gd name="connsiteX20" fmla="*/ 211290 w 7529613"/>
+              <a:gd name="connsiteY20" fmla="*/ 5480401 h 6858000"/>
+              <a:gd name="connsiteX21" fmla="*/ 311446 w 7529613"/>
+              <a:gd name="connsiteY21" fmla="*/ 5830359 h 6858000"/>
+              <a:gd name="connsiteX22" fmla="*/ 622963 w 7529613"/>
+              <a:gd name="connsiteY22" fmla="*/ 6670527 h 6858000"/>
+              <a:gd name="connsiteX23" fmla="*/ 710464 w 7529613"/>
+              <a:gd name="connsiteY23" fmla="*/ 6858000 h 6858000"/>
+              <a:gd name="connsiteX24" fmla="*/ 7529613 w 7529613"/>
+              <a:gd name="connsiteY24" fmla="*/ 6858000 h 6858000"/>
+            </a:gdLst>
+            <a:ahLst/>
+            <a:cxnLst>
+              <a:cxn ang="0">
+                <a:pos x="connsiteX0" y="connsiteY0"/>
+              </a:cxn>
+              <a:cxn ang="0">
+                <a:pos x="connsiteX1" y="connsiteY1"/>
+              </a:cxn>
+              <a:cxn ang="0">
+                <a:pos x="connsiteX2" y="connsiteY2"/>
+              </a:cxn>
+              <a:cxn ang="0">
+                <a:pos x="connsiteX3" y="connsiteY3"/>
+              </a:cxn>
+              <a:cxn ang="0">
+                <a:pos x="connsiteX4" y="connsiteY4"/>
+              </a:cxn>
+              <a:cxn ang="0">
+                <a:pos x="connsiteX5" y="connsiteY5"/>
+              </a:cxn>
+              <a:cxn ang="0">
+                <a:pos x="connsiteX6" y="connsiteY6"/>
+              </a:cxn>
+              <a:cxn ang="0">
+                <a:pos x="connsiteX7" y="connsiteY7"/>
+              </a:cxn>
+              <a:cxn ang="0">
+                <a:pos x="connsiteX8" y="connsiteY8"/>
+              </a:cxn>
+              <a:cxn ang="0">
+                <a:pos x="connsiteX9" y="connsiteY9"/>
+              </a:cxn>
+              <a:cxn ang="0">
+                <a:pos x="connsiteX10" y="connsiteY10"/>
+              </a:cxn>
+              <a:cxn ang="0">
+                <a:pos x="connsiteX11" y="connsiteY11"/>
+              </a:cxn>
+              <a:cxn ang="0">
+                <a:pos x="connsiteX12" y="connsiteY12"/>
+              </a:cxn>
+              <a:cxn ang="0">
+                <a:pos x="connsiteX13" y="connsiteY13"/>
+              </a:cxn>
+              <a:cxn ang="0">
+                <a:pos x="connsiteX14" y="connsiteY14"/>
+              </a:cxn>
+              <a:cxn ang="0">
+                <a:pos x="connsiteX15" y="connsiteY15"/>
+              </a:cxn>
+              <a:cxn ang="0">
+                <a:pos x="connsiteX16" y="connsiteY16"/>
+              </a:cxn>
+              <a:cxn ang="0">
+                <a:pos x="connsiteX17" y="connsiteY17"/>
+              </a:cxn>
+              <a:cxn ang="0">
+                <a:pos x="connsiteX18" y="connsiteY18"/>
+              </a:cxn>
+              <a:cxn ang="0">
+                <a:pos x="connsiteX19" y="connsiteY19"/>
+              </a:cxn>
+              <a:cxn ang="0">
+                <a:pos x="connsiteX20" y="connsiteY20"/>
+              </a:cxn>
+              <a:cxn ang="0">
+                <a:pos x="connsiteX21" y="connsiteY21"/>
+              </a:cxn>
+              <a:cxn ang="0">
+                <a:pos x="connsiteX22" y="connsiteY22"/>
+              </a:cxn>
+              <a:cxn ang="0">
+                <a:pos x="connsiteX23" y="connsiteY23"/>
+              </a:cxn>
+              <a:cxn ang="0">
+                <a:pos x="connsiteX24" y="connsiteY24"/>
+              </a:cxn>
+            </a:cxnLst>
+            <a:rect l="l" t="t" r="r" b="b"/>
+            <a:pathLst>
+              <a:path w="7529613" h="6858000">
+                <a:moveTo>
+                  <a:pt x="7529613" y="0"/>
+                </a:moveTo>
+                <a:lnTo>
+                  <a:pt x="1222331" y="0"/>
+                </a:lnTo>
+                <a:lnTo>
+                  <a:pt x="1126483" y="148742"/>
+                </a:lnTo>
+                <a:cubicBezTo>
+                  <a:pt x="995323" y="365513"/>
+                  <a:pt x="876174" y="589569"/>
+                  <a:pt x="767554" y="819975"/>
+                </a:cubicBezTo>
+                <a:cubicBezTo>
+                  <a:pt x="762210" y="833492"/>
+                  <a:pt x="753441" y="845393"/>
+                  <a:pt x="742103" y="854514"/>
+                </a:cubicBezTo>
+                <a:cubicBezTo>
+                  <a:pt x="756737" y="819849"/>
+                  <a:pt x="770991" y="784928"/>
+                  <a:pt x="785881" y="750263"/>
+                </a:cubicBezTo>
+                <a:cubicBezTo>
+                  <a:pt x="846713" y="608712"/>
+                  <a:pt x="910948" y="469145"/>
+                  <a:pt x="978978" y="331786"/>
+                </a:cubicBezTo>
+                <a:lnTo>
+                  <a:pt x="1155717" y="0"/>
+                </a:lnTo>
+                <a:lnTo>
+                  <a:pt x="1098249" y="0"/>
+                </a:lnTo>
+                <a:lnTo>
+                  <a:pt x="991458" y="196614"/>
+                </a:lnTo>
+                <a:cubicBezTo>
+                  <a:pt x="797017" y="573253"/>
+                  <a:pt x="633548" y="966066"/>
+                  <a:pt x="493941" y="1371196"/>
+                </a:cubicBezTo>
+                <a:cubicBezTo>
+                  <a:pt x="276630" y="2007265"/>
+                  <a:pt x="126659" y="2664286"/>
+                  <a:pt x="46485" y="3331516"/>
+                </a:cubicBezTo>
+                <a:cubicBezTo>
+                  <a:pt x="4488" y="3672965"/>
+                  <a:pt x="-14219" y="4013908"/>
+                  <a:pt x="12252" y="4357388"/>
+                </a:cubicBezTo>
+                <a:cubicBezTo>
+                  <a:pt x="43558" y="4758899"/>
+                  <a:pt x="90773" y="5157998"/>
+                  <a:pt x="170821" y="5552906"/>
+                </a:cubicBezTo>
+                <a:cubicBezTo>
+                  <a:pt x="259109" y="5988893"/>
+                  <a:pt x="378967" y="6414594"/>
+                  <a:pt x="537265" y="6828295"/>
+                </a:cubicBezTo>
+                <a:lnTo>
+                  <a:pt x="549692" y="6858000"/>
+                </a:lnTo>
+                <a:lnTo>
+                  <a:pt x="602234" y="6858000"/>
+                </a:lnTo>
+                <a:lnTo>
+                  <a:pt x="595414" y="6841549"/>
+                </a:lnTo>
+                <a:cubicBezTo>
+                  <a:pt x="507884" y="6614016"/>
+                  <a:pt x="431296" y="6380817"/>
+                  <a:pt x="364260" y="6142729"/>
+                </a:cubicBezTo>
+                <a:cubicBezTo>
+                  <a:pt x="305974" y="5935370"/>
+                  <a:pt x="262958" y="5723695"/>
+                  <a:pt x="213071" y="5513923"/>
+                </a:cubicBezTo>
+                <a:cubicBezTo>
+                  <a:pt x="211892" y="5502788"/>
+                  <a:pt x="211299" y="5491601"/>
+                  <a:pt x="211290" y="5480401"/>
+                </a:cubicBezTo>
+                <a:cubicBezTo>
+                  <a:pt x="247814" y="5607635"/>
+                  <a:pt x="276958" y="5719759"/>
+                  <a:pt x="311446" y="5830359"/>
+                </a:cubicBezTo>
+                <a:cubicBezTo>
+                  <a:pt x="401357" y="6118381"/>
+                  <a:pt x="505060" y="6398531"/>
+                  <a:pt x="622963" y="6670527"/>
+                </a:cubicBezTo>
+                <a:lnTo>
+                  <a:pt x="710464" y="6858000"/>
+                </a:lnTo>
+                <a:lnTo>
+                  <a:pt x="7529613" y="6858000"/>
+                </a:lnTo>
+                <a:close/>
+              </a:path>
+            </a:pathLst>
+          </a:custGeom>
+          <a:solidFill>
+            <a:schemeClr val="accent2"/>
+          </a:solidFill>
+          <a:ln w="6857" cap="flat">
+            <a:noFill/>
+            <a:prstDash val="solid"/>
+            <a:miter/>
+          </a:ln>
+        </p:spPr>
+        <p:txBody>
+          <a:bodyPr wrap="square" rtlCol="0" anchor="ctr">
+            <a:noAutofit/>
+          </a:bodyPr>
+          <a:lstStyle/>
+          <a:p>
+            <a:endParaRPr lang="en-US"/>
+          </a:p>
+        </p:txBody>
+      </p:sp>
+      <p:sp>
+        <p:nvSpPr>
+          <p:cNvPr id="2" name="Title 1">
+            <a:extLst>
+              <a:ext uri="{FF2B5EF4-FFF2-40B4-BE49-F238E27FC236}">
+                <a16:creationId xmlns:a16="http://schemas.microsoft.com/office/drawing/2014/main" id="{0D3C93B3-044A-E9B6-4DB6-BB90794F9233}"/>
+              </a:ext>
+            </a:extLst>
+          </p:cNvPr>
+          <p:cNvSpPr>
+            <a:spLocks noGrp="1"/>
+          </p:cNvSpPr>
+          <p:nvPr>
+            <p:ph type="title"/>
+          </p:nvPr>
+        </p:nvSpPr>
+        <p:spPr>
+          <a:xfrm>
+            <a:off x="5759354" y="457201"/>
+            <a:ext cx="5337270" cy="1835911"/>
+          </a:xfrm>
+        </p:spPr>
+        <p:txBody>
+          <a:bodyPr anchor="b">
+            <a:normAutofit/>
+          </a:bodyPr>
+          <a:lstStyle/>
+          <a:p>
+            <a:r>
+              <a:rPr lang="en-HU" sz="5400">
+                <a:solidFill>
+                  <a:srgbClr val="FFFFFF"/>
+                </a:solidFill>
+              </a:rPr>
+              <a:t>Hyper parameters &amp; results </a:t>
+            </a:r>
+          </a:p>
+        </p:txBody>
+      </p:sp>
+      <p:sp>
+        <p:nvSpPr>
+          <p:cNvPr id="23" name="sketch line">
+            <a:extLst>
+              <a:ext uri="{FF2B5EF4-FFF2-40B4-BE49-F238E27FC236}">
+                <a16:creationId xmlns:a16="http://schemas.microsoft.com/office/drawing/2014/main" id="{49B530FE-A87D-41A0-A920-ADC6539EAA44}"/>
+              </a:ext>
+              <a:ext uri="{C183D7F6-B498-43B3-948B-1728B52AA6E4}">
+                <adec:decorative xmlns:adec="http://schemas.microsoft.com/office/drawing/2017/decorative" val="1"/>
+              </a:ext>
+            </a:extLst>
+          </p:cNvPr>
+          <p:cNvSpPr>
+            <a:spLocks noGrp="1" noRot="1" noChangeAspect="1" noMove="1" noResize="1" noEditPoints="1" noAdjustHandles="1" noChangeArrowheads="1" noChangeShapeType="1" noTextEdit="1"/>
+          </p:cNvSpPr>
+          <p:nvPr>
+            <p:extLst>
+              <p:ext uri="{386F3935-93C4-4BCD-93E2-E3B085C9AB24}">
+                <p16:designElem xmlns:p16="http://schemas.microsoft.com/office/powerpoint/2015/main" val="1"/>
+              </p:ext>
+            </p:extLst>
+          </p:nvPr>
+        </p:nvSpPr>
+        <p:spPr>
+          <a:xfrm>
+            <a:off x="5759353" y="2560829"/>
+            <a:ext cx="5029200" cy="18288"/>
+          </a:xfrm>
+          <a:custGeom>
+            <a:avLst/>
+            <a:gdLst>
+              <a:gd name="connsiteX0" fmla="*/ 0 w 5029200"/>
+              <a:gd name="connsiteY0" fmla="*/ 0 h 18288"/>
+              <a:gd name="connsiteX1" fmla="*/ 528066 w 5029200"/>
+              <a:gd name="connsiteY1" fmla="*/ 0 h 18288"/>
+              <a:gd name="connsiteX2" fmla="*/ 1207008 w 5029200"/>
+              <a:gd name="connsiteY2" fmla="*/ 0 h 18288"/>
+              <a:gd name="connsiteX3" fmla="*/ 1785366 w 5029200"/>
+              <a:gd name="connsiteY3" fmla="*/ 0 h 18288"/>
+              <a:gd name="connsiteX4" fmla="*/ 2313432 w 5029200"/>
+              <a:gd name="connsiteY4" fmla="*/ 0 h 18288"/>
+              <a:gd name="connsiteX5" fmla="*/ 2992374 w 5029200"/>
+              <a:gd name="connsiteY5" fmla="*/ 0 h 18288"/>
+              <a:gd name="connsiteX6" fmla="*/ 3621024 w 5029200"/>
+              <a:gd name="connsiteY6" fmla="*/ 0 h 18288"/>
+              <a:gd name="connsiteX7" fmla="*/ 4249674 w 5029200"/>
+              <a:gd name="connsiteY7" fmla="*/ 0 h 18288"/>
+              <a:gd name="connsiteX8" fmla="*/ 5029200 w 5029200"/>
+              <a:gd name="connsiteY8" fmla="*/ 0 h 18288"/>
+              <a:gd name="connsiteX9" fmla="*/ 5029200 w 5029200"/>
+              <a:gd name="connsiteY9" fmla="*/ 18288 h 18288"/>
+              <a:gd name="connsiteX10" fmla="*/ 4501134 w 5029200"/>
+              <a:gd name="connsiteY10" fmla="*/ 18288 h 18288"/>
+              <a:gd name="connsiteX11" fmla="*/ 4023360 w 5029200"/>
+              <a:gd name="connsiteY11" fmla="*/ 18288 h 18288"/>
+              <a:gd name="connsiteX12" fmla="*/ 3344418 w 5029200"/>
+              <a:gd name="connsiteY12" fmla="*/ 18288 h 18288"/>
+              <a:gd name="connsiteX13" fmla="*/ 2816352 w 5029200"/>
+              <a:gd name="connsiteY13" fmla="*/ 18288 h 18288"/>
+              <a:gd name="connsiteX14" fmla="*/ 2137410 w 5029200"/>
+              <a:gd name="connsiteY14" fmla="*/ 18288 h 18288"/>
+              <a:gd name="connsiteX15" fmla="*/ 1408176 w 5029200"/>
+              <a:gd name="connsiteY15" fmla="*/ 18288 h 18288"/>
+              <a:gd name="connsiteX16" fmla="*/ 829818 w 5029200"/>
+              <a:gd name="connsiteY16" fmla="*/ 18288 h 18288"/>
+              <a:gd name="connsiteX17" fmla="*/ 0 w 5029200"/>
+              <a:gd name="connsiteY17" fmla="*/ 18288 h 18288"/>
+              <a:gd name="connsiteX18" fmla="*/ 0 w 5029200"/>
+              <a:gd name="connsiteY18" fmla="*/ 0 h 18288"/>
+            </a:gdLst>
+            <a:ahLst/>
+            <a:cxnLst>
+              <a:cxn ang="0">
+                <a:pos x="connsiteX0" y="connsiteY0"/>
+              </a:cxn>
+              <a:cxn ang="0">
+                <a:pos x="connsiteX1" y="connsiteY1"/>
+              </a:cxn>
+              <a:cxn ang="0">
+                <a:pos x="connsiteX2" y="connsiteY2"/>
+              </a:cxn>
+              <a:cxn ang="0">
+                <a:pos x="connsiteX3" y="connsiteY3"/>
+              </a:cxn>
+              <a:cxn ang="0">
+                <a:pos x="connsiteX4" y="connsiteY4"/>
+              </a:cxn>
+              <a:cxn ang="0">
+                <a:pos x="connsiteX5" y="connsiteY5"/>
+              </a:cxn>
+              <a:cxn ang="0">
+                <a:pos x="connsiteX6" y="connsiteY6"/>
+              </a:cxn>
+              <a:cxn ang="0">
+                <a:pos x="connsiteX7" y="connsiteY7"/>
+              </a:cxn>
+              <a:cxn ang="0">
+                <a:pos x="connsiteX8" y="connsiteY8"/>
+              </a:cxn>
+              <a:cxn ang="0">
+                <a:pos x="connsiteX9" y="connsiteY9"/>
+              </a:cxn>
+              <a:cxn ang="0">
+                <a:pos x="connsiteX10" y="connsiteY10"/>
+              </a:cxn>
+              <a:cxn ang="0">
+                <a:pos x="connsiteX11" y="connsiteY11"/>
+              </a:cxn>
+              <a:cxn ang="0">
+                <a:pos x="connsiteX12" y="connsiteY12"/>
+              </a:cxn>
+              <a:cxn ang="0">
+                <a:pos x="connsiteX13" y="connsiteY13"/>
+              </a:cxn>
+              <a:cxn ang="0">
+                <a:pos x="connsiteX14" y="connsiteY14"/>
+              </a:cxn>
+              <a:cxn ang="0">
+                <a:pos x="connsiteX15" y="connsiteY15"/>
+              </a:cxn>
+              <a:cxn ang="0">
+                <a:pos x="connsiteX16" y="connsiteY16"/>
+              </a:cxn>
+              <a:cxn ang="0">
+                <a:pos x="connsiteX17" y="connsiteY17"/>
+              </a:cxn>
+              <a:cxn ang="0">
+                <a:pos x="connsiteX18" y="connsiteY18"/>
+              </a:cxn>
+            </a:cxnLst>
+            <a:rect l="l" t="t" r="r" b="b"/>
+            <a:pathLst>
+              <a:path w="5029200" h="18288" fill="none" extrusionOk="0">
+                <a:moveTo>
+                  <a:pt x="0" y="0"/>
+                </a:moveTo>
+                <a:cubicBezTo>
+                  <a:pt x="142937" y="1696"/>
+                  <a:pt x="371859" y="12840"/>
+                  <a:pt x="528066" y="0"/>
+                </a:cubicBezTo>
+                <a:cubicBezTo>
+                  <a:pt x="684273" y="-12840"/>
+                  <a:pt x="928949" y="-5725"/>
+                  <a:pt x="1207008" y="0"/>
+                </a:cubicBezTo>
+                <a:cubicBezTo>
+                  <a:pt x="1485067" y="5725"/>
+                  <a:pt x="1562886" y="-21331"/>
+                  <a:pt x="1785366" y="0"/>
+                </a:cubicBezTo>
+                <a:cubicBezTo>
+                  <a:pt x="2007846" y="21331"/>
+                  <a:pt x="2056226" y="25221"/>
+                  <a:pt x="2313432" y="0"/>
+                </a:cubicBezTo>
+                <a:cubicBezTo>
+                  <a:pt x="2570638" y="-25221"/>
+                  <a:pt x="2732455" y="16294"/>
+                  <a:pt x="2992374" y="0"/>
+                </a:cubicBezTo>
+                <a:cubicBezTo>
+                  <a:pt x="3252293" y="-16294"/>
+                  <a:pt x="3319267" y="-29774"/>
+                  <a:pt x="3621024" y="0"/>
+                </a:cubicBezTo>
+                <a:cubicBezTo>
+                  <a:pt x="3922781" y="29774"/>
+                  <a:pt x="3998107" y="-1004"/>
+                  <a:pt x="4249674" y="0"/>
+                </a:cubicBezTo>
+                <a:cubicBezTo>
+                  <a:pt x="4501241" y="1004"/>
+                  <a:pt x="4792523" y="-4510"/>
+                  <a:pt x="5029200" y="0"/>
+                </a:cubicBezTo>
+                <a:cubicBezTo>
+                  <a:pt x="5029730" y="6954"/>
+                  <a:pt x="5029934" y="12839"/>
+                  <a:pt x="5029200" y="18288"/>
+                </a:cubicBezTo>
+                <a:cubicBezTo>
+                  <a:pt x="4805432" y="23154"/>
+                  <a:pt x="4715801" y="17034"/>
+                  <a:pt x="4501134" y="18288"/>
+                </a:cubicBezTo>
+                <a:cubicBezTo>
+                  <a:pt x="4286467" y="19542"/>
+                  <a:pt x="4193719" y="41701"/>
+                  <a:pt x="4023360" y="18288"/>
+                </a:cubicBezTo>
+                <a:cubicBezTo>
+                  <a:pt x="3853001" y="-5125"/>
+                  <a:pt x="3676466" y="16909"/>
+                  <a:pt x="3344418" y="18288"/>
+                </a:cubicBezTo>
+                <a:cubicBezTo>
+                  <a:pt x="3012370" y="19667"/>
+                  <a:pt x="2945824" y="14410"/>
+                  <a:pt x="2816352" y="18288"/>
+                </a:cubicBezTo>
+                <a:cubicBezTo>
+                  <a:pt x="2686880" y="22166"/>
+                  <a:pt x="2438351" y="13507"/>
+                  <a:pt x="2137410" y="18288"/>
+                </a:cubicBezTo>
+                <a:cubicBezTo>
+                  <a:pt x="1836469" y="23069"/>
+                  <a:pt x="1581391" y="46111"/>
+                  <a:pt x="1408176" y="18288"/>
+                </a:cubicBezTo>
+                <a:cubicBezTo>
+                  <a:pt x="1234961" y="-9535"/>
+                  <a:pt x="1040489" y="-7495"/>
+                  <a:pt x="829818" y="18288"/>
+                </a:cubicBezTo>
+                <a:cubicBezTo>
+                  <a:pt x="619147" y="44071"/>
+                  <a:pt x="238626" y="37568"/>
+                  <a:pt x="0" y="18288"/>
+                </a:cubicBezTo>
+                <a:cubicBezTo>
+                  <a:pt x="-570" y="9279"/>
+                  <a:pt x="132" y="5100"/>
+                  <a:pt x="0" y="0"/>
+                </a:cubicBezTo>
+                <a:close/>
+              </a:path>
+              <a:path w="5029200" h="18288" stroke="0" extrusionOk="0">
+                <a:moveTo>
+                  <a:pt x="0" y="0"/>
+                </a:moveTo>
+                <a:cubicBezTo>
+                  <a:pt x="165412" y="-21137"/>
+                  <a:pt x="322344" y="-21985"/>
+                  <a:pt x="578358" y="0"/>
+                </a:cubicBezTo>
+                <a:cubicBezTo>
+                  <a:pt x="834372" y="21985"/>
+                  <a:pt x="907099" y="-19195"/>
+                  <a:pt x="1056132" y="0"/>
+                </a:cubicBezTo>
+                <a:cubicBezTo>
+                  <a:pt x="1205165" y="19195"/>
+                  <a:pt x="1612834" y="-24928"/>
+                  <a:pt x="1785366" y="0"/>
+                </a:cubicBezTo>
+                <a:cubicBezTo>
+                  <a:pt x="1957898" y="24928"/>
+                  <a:pt x="2149044" y="19108"/>
+                  <a:pt x="2363724" y="0"/>
+                </a:cubicBezTo>
+                <a:cubicBezTo>
+                  <a:pt x="2578404" y="-19108"/>
+                  <a:pt x="2759981" y="-21788"/>
+                  <a:pt x="2942082" y="0"/>
+                </a:cubicBezTo>
+                <a:cubicBezTo>
+                  <a:pt x="3124183" y="21788"/>
+                  <a:pt x="3482217" y="8836"/>
+                  <a:pt x="3671316" y="0"/>
+                </a:cubicBezTo>
+                <a:cubicBezTo>
+                  <a:pt x="3860415" y="-8836"/>
+                  <a:pt x="4058665" y="-25048"/>
+                  <a:pt x="4199382" y="0"/>
+                </a:cubicBezTo>
+                <a:cubicBezTo>
+                  <a:pt x="4340099" y="25048"/>
+                  <a:pt x="4735096" y="-22088"/>
+                  <a:pt x="5029200" y="0"/>
+                </a:cubicBezTo>
+                <a:cubicBezTo>
+                  <a:pt x="5028517" y="5414"/>
+                  <a:pt x="5028480" y="12510"/>
+                  <a:pt x="5029200" y="18288"/>
+                </a:cubicBezTo>
+                <a:cubicBezTo>
+                  <a:pt x="4891577" y="31493"/>
+                  <a:pt x="4684146" y="-2509"/>
+                  <a:pt x="4501134" y="18288"/>
+                </a:cubicBezTo>
+                <a:cubicBezTo>
+                  <a:pt x="4318122" y="39085"/>
+                  <a:pt x="4030703" y="3672"/>
+                  <a:pt x="3872484" y="18288"/>
+                </a:cubicBezTo>
+                <a:cubicBezTo>
+                  <a:pt x="3714265" y="32905"/>
+                  <a:pt x="3546134" y="7501"/>
+                  <a:pt x="3294126" y="18288"/>
+                </a:cubicBezTo>
+                <a:cubicBezTo>
+                  <a:pt x="3042118" y="29075"/>
+                  <a:pt x="2912116" y="11153"/>
+                  <a:pt x="2564892" y="18288"/>
+                </a:cubicBezTo>
+                <a:cubicBezTo>
+                  <a:pt x="2217668" y="25423"/>
+                  <a:pt x="2095118" y="11659"/>
+                  <a:pt x="1835658" y="18288"/>
+                </a:cubicBezTo>
+                <a:cubicBezTo>
+                  <a:pt x="1576198" y="24917"/>
+                  <a:pt x="1500897" y="19889"/>
+                  <a:pt x="1307592" y="18288"/>
+                </a:cubicBezTo>
+                <a:cubicBezTo>
+                  <a:pt x="1114287" y="16687"/>
+                  <a:pt x="961527" y="47453"/>
+                  <a:pt x="678942" y="18288"/>
+                </a:cubicBezTo>
+                <a:cubicBezTo>
+                  <a:pt x="396357" y="-10877"/>
+                  <a:pt x="271066" y="23005"/>
+                  <a:pt x="0" y="18288"/>
+                </a:cubicBezTo>
+                <a:cubicBezTo>
+                  <a:pt x="-306" y="11061"/>
+                  <a:pt x="-655" y="7751"/>
+                  <a:pt x="0" y="0"/>
+                </a:cubicBezTo>
+                <a:close/>
+              </a:path>
+            </a:pathLst>
+          </a:custGeom>
+          <a:solidFill>
+            <a:srgbClr val="FFFFFF"/>
+          </a:solidFill>
+          <a:ln w="38100" cap="rnd">
+            <a:solidFill>
+              <a:srgbClr val="FFFFFF"/>
+            </a:solidFill>
+            <a:round/>
+            <a:extLst>
+              <a:ext uri="{C807C97D-BFC1-408E-A445-0C87EB9F89A2}">
+                <ask:lineSketchStyleProps xmlns:ask="http://schemas.microsoft.com/office/drawing/2018/sketchyshapes" sd="1219033472">
+                  <a:prstGeom prst="rect">
+                    <a:avLst/>
+                  </a:prstGeom>
+                  <ask:type>
+                    <ask:lineSketchFreehand/>
+                  </ask:type>
+                </ask:lineSketchStyleProps>
+              </a:ext>
+            </a:extLst>
+          </a:ln>
+        </p:spPr>
+        <p:style>
+          <a:lnRef idx="2">
+            <a:schemeClr val="accent1">
+              <a:shade val="50000"/>
+            </a:schemeClr>
+          </a:lnRef>
+          <a:fillRef idx="1">
+            <a:schemeClr val="accent1"/>
+          </a:fillRef>
+          <a:effectRef idx="0">
+            <a:schemeClr val="accent1"/>
+          </a:effectRef>
+          <a:fontRef idx="minor">
+            <a:schemeClr val="lt1"/>
+          </a:fontRef>
+        </p:style>
+        <p:txBody>
+          <a:bodyPr rtlCol="0" anchor="ctr"/>
+          <a:lstStyle/>
+          <a:p>
+            <a:pPr algn="ctr"/>
+            <a:endParaRPr lang="en-US"/>
+          </a:p>
+        </p:txBody>
+      </p:sp>
+      <p:sp>
+        <p:nvSpPr>
+          <p:cNvPr id="3" name="Content Placeholder 2">
+            <a:extLst>
+              <a:ext uri="{FF2B5EF4-FFF2-40B4-BE49-F238E27FC236}">
+                <a16:creationId xmlns:a16="http://schemas.microsoft.com/office/drawing/2014/main" id="{242BFE79-4F13-B878-5BF3-796F1E7B2FC7}"/>
+              </a:ext>
+            </a:extLst>
+          </p:cNvPr>
+          <p:cNvSpPr>
+            <a:spLocks noGrp="1"/>
+          </p:cNvSpPr>
+          <p:nvPr>
+            <p:ph idx="1"/>
+          </p:nvPr>
+        </p:nvSpPr>
+        <p:spPr>
+          <a:xfrm>
+            <a:off x="5759354" y="2798064"/>
+            <a:ext cx="5461095" cy="3417611"/>
+          </a:xfrm>
+        </p:spPr>
+        <p:txBody>
+          <a:bodyPr anchor="t">
+            <a:normAutofit/>
+          </a:bodyPr>
+          <a:lstStyle/>
+          <a:p>
+            <a:r>
+              <a:rPr lang="en-HU" sz="1200">
+                <a:solidFill>
+                  <a:srgbClr val="FFFFFF"/>
+                </a:solidFill>
+              </a:rPr>
+              <a:t>Before variance – treshold optimization for feature selection</a:t>
+            </a:r>
+          </a:p>
+          <a:p>
+            <a:pPr lvl="1"/>
+            <a:r>
+              <a:rPr lang="en-GB" sz="1200">
+                <a:solidFill>
+                  <a:srgbClr val="FFFFFF"/>
+                </a:solidFill>
+              </a:rPr>
+              <a:t>P</a:t>
+            </a:r>
+            <a:r>
+              <a:rPr lang="en-HU" sz="1200">
+                <a:solidFill>
+                  <a:srgbClr val="FFFFFF"/>
+                </a:solidFill>
+              </a:rPr>
+              <a:t>ercentile trashold: 0,8 was the best, also tried 0,75;0,85;0,95</a:t>
+            </a:r>
+          </a:p>
+          <a:p>
+            <a:r>
+              <a:rPr lang="en-HU" sz="1200">
+                <a:solidFill>
+                  <a:srgbClr val="FFFFFF"/>
+                </a:solidFill>
+              </a:rPr>
+              <a:t>Random forest parameter optimization</a:t>
+            </a:r>
+          </a:p>
+          <a:p>
+            <a:pPr lvl="1"/>
+            <a:r>
+              <a:rPr lang="en-GB" sz="1200">
+                <a:solidFill>
+                  <a:srgbClr val="FFFFFF"/>
+                </a:solidFill>
+              </a:rPr>
+              <a:t>M</a:t>
+            </a:r>
+            <a:r>
+              <a:rPr lang="en-HU" sz="1200">
+                <a:solidFill>
+                  <a:srgbClr val="FFFFFF"/>
+                </a:solidFill>
+              </a:rPr>
+              <a:t>ax_depth: 15 - overfitting</a:t>
+            </a:r>
+          </a:p>
+          <a:p>
+            <a:pPr lvl="1"/>
+            <a:r>
+              <a:rPr lang="en-HU" sz="1200">
+                <a:solidFill>
+                  <a:srgbClr val="FFFFFF"/>
+                </a:solidFill>
+              </a:rPr>
+              <a:t>Estimators number: 100 - too few</a:t>
+            </a:r>
+          </a:p>
+          <a:p>
+            <a:pPr lvl="1"/>
+            <a:r>
+              <a:rPr lang="en-HU" sz="1200">
+                <a:solidFill>
+                  <a:srgbClr val="FFFFFF"/>
+                </a:solidFill>
+              </a:rPr>
+              <a:t>Trying different criterions: “gini”, “entropy”,”log_loss”</a:t>
+            </a:r>
+          </a:p>
+          <a:p>
+            <a:pPr lvl="2"/>
+            <a:r>
+              <a:rPr lang="en-GB" sz="1200">
+                <a:solidFill>
+                  <a:srgbClr val="FFFFFF"/>
+                </a:solidFill>
+              </a:rPr>
+              <a:t>L</a:t>
+            </a:r>
+            <a:r>
+              <a:rPr lang="en-HU" sz="1200">
+                <a:solidFill>
+                  <a:srgbClr val="FFFFFF"/>
+                </a:solidFill>
+              </a:rPr>
+              <a:t>og_loss: emphasizes accuracy of probalistic prediction, penalizing confident but incorrect predictions</a:t>
+            </a:r>
+          </a:p>
+          <a:p>
+            <a:r>
+              <a:rPr lang="en-HU" sz="1200">
+                <a:solidFill>
+                  <a:srgbClr val="FFFFFF"/>
+                </a:solidFill>
+              </a:rPr>
+              <a:t>AdaBoost parameter optimization</a:t>
+            </a:r>
+          </a:p>
+          <a:p>
+            <a:pPr lvl="1"/>
+            <a:r>
+              <a:rPr lang="en-HU" sz="1200">
+                <a:solidFill>
+                  <a:srgbClr val="FFFFFF"/>
+                </a:solidFill>
+              </a:rPr>
+              <a:t>Learning rate: 1,7 – too much(0,841), 1 – too slow </a:t>
+            </a:r>
+          </a:p>
+          <a:p>
+            <a:pPr lvl="1"/>
+            <a:r>
+              <a:rPr lang="en-HU" sz="1200">
+                <a:solidFill>
+                  <a:srgbClr val="FFFFFF"/>
+                </a:solidFill>
+              </a:rPr>
+              <a:t>SAMME algorithm is worse (will be default in future)</a:t>
+            </a:r>
+          </a:p>
+          <a:p>
+            <a:r>
+              <a:rPr lang="en-HU" sz="1200">
+                <a:solidFill>
+                  <a:srgbClr val="FFFFFF"/>
+                </a:solidFill>
+              </a:rPr>
+              <a:t>Using GridSearch</a:t>
+            </a:r>
+          </a:p>
+          <a:p>
+            <a:pPr lvl="1"/>
+            <a:r>
+              <a:rPr lang="en-GB" sz="1200">
+                <a:solidFill>
+                  <a:srgbClr val="FFFFFF"/>
+                </a:solidFill>
+              </a:rPr>
+              <a:t>W</a:t>
+            </a:r>
+            <a:r>
+              <a:rPr lang="en-HU" sz="1200">
+                <a:solidFill>
+                  <a:srgbClr val="FFFFFF"/>
+                </a:solidFill>
+              </a:rPr>
+              <a:t>as too slow in Laboratory exercise</a:t>
+            </a:r>
+          </a:p>
+        </p:txBody>
+      </p:sp>
+    </p:spTree>
+    <p:extLst>
+      <p:ext uri="{BB962C8B-B14F-4D97-AF65-F5344CB8AC3E}">
+        <p14:creationId xmlns:p14="http://schemas.microsoft.com/office/powerpoint/2010/main" val="3319160227"/>
+      </p:ext>
+    </p:extLst>
+  </p:cSld>
+  <p:clrMapOvr>
+    <a:masterClrMapping/>
+  </p:clrMapOvr>
+</p:sld>
+</file>
+
+<file path=ppt/slides/slide8.xml><?xml version="1.0" encoding="utf-8"?>
+<p:sld xmlns:a="http://schemas.openxmlformats.org/drawingml/2006/main" xmlns:r="http://schemas.openxmlformats.org/officeDocument/2006/relationships" xmlns:p="http://schemas.openxmlformats.org/presentationml/2006/main">
+  <p:cSld>
     <p:spTree>
       <p:nvGrpSpPr>
         <p:cNvPr id="1" name=""/>
@@ -14992,7 +16011,7 @@
 </p:sld>
 </file>
 
-<file path=ppt/slides/slide8.xml><?xml version="1.0" encoding="utf-8"?>
+<file path=ppt/slides/slide9.xml><?xml version="1.0" encoding="utf-8"?>
 <p:sld xmlns:a="http://schemas.openxmlformats.org/drawingml/2006/main" xmlns:r="http://schemas.openxmlformats.org/officeDocument/2006/relationships" xmlns:p="http://schemas.openxmlformats.org/presentationml/2006/main">
   <p:cSld>
     <p:bg>
